--- a/ppt 16-9/0787.我们要得着加.pptx
+++ b/ppt 16-9/0787.我们要得着加.pptx
@@ -5,7 +5,7 @@
     <p:sldMasterId id="2147483648" r:id="rId1"/>
   </p:sldMasterIdLst>
   <p:sldIdLst>
-    <p:sldId id="2053" r:id="rId2"/>
+    <p:sldId id="2054" r:id="rId2"/>
   </p:sldIdLst>
   <p:sldSz cx="12192000" cy="6858000"/>
   <p:notesSz cx="6858000" cy="9144000"/>
@@ -129,7 +129,7 @@
           <p:cNvPr id="2" name="标题 1">
             <a:extLst>
               <a:ext uri="{FF2B5EF4-FFF2-40B4-BE49-F238E27FC236}">
-                <a16:creationId xmlns:a16="http://schemas.microsoft.com/office/drawing/2014/main" id="{23DEDCF6-BA9D-BC50-0987-F833B8F6BB3C}"/>
+                <a16:creationId xmlns:a16="http://schemas.microsoft.com/office/drawing/2014/main" id="{1A9C07EA-CFD5-5682-2336-4FED798013C7}"/>
               </a:ext>
             </a:extLst>
           </p:cNvPr>
@@ -166,7 +166,7 @@
           <p:cNvPr id="3" name="副标题 2">
             <a:extLst>
               <a:ext uri="{FF2B5EF4-FFF2-40B4-BE49-F238E27FC236}">
-                <a16:creationId xmlns:a16="http://schemas.microsoft.com/office/drawing/2014/main" id="{A506ECF2-C055-E3BA-4B35-9DCA23CDE6A9}"/>
+                <a16:creationId xmlns:a16="http://schemas.microsoft.com/office/drawing/2014/main" id="{A1077B2A-B8E5-6F61-A326-B614FE13DE36}"/>
               </a:ext>
             </a:extLst>
           </p:cNvPr>
@@ -236,7 +236,7 @@
           <p:cNvPr id="4" name="日期占位符 3">
             <a:extLst>
               <a:ext uri="{FF2B5EF4-FFF2-40B4-BE49-F238E27FC236}">
-                <a16:creationId xmlns:a16="http://schemas.microsoft.com/office/drawing/2014/main" id="{81713B07-072F-4BA0-B606-CF86D382F4E2}"/>
+                <a16:creationId xmlns:a16="http://schemas.microsoft.com/office/drawing/2014/main" id="{30E985F5-71C9-AB7B-D233-EDFCF0B8A353}"/>
               </a:ext>
             </a:extLst>
           </p:cNvPr>
@@ -252,7 +252,7 @@
           <a:bodyPr/>
           <a:lstStyle/>
           <a:p>
-            <a:fld id="{DE955D42-A830-4B0D-A8EE-8B2690C4A450}" type="datetimeFigureOut">
+            <a:fld id="{3903B572-E40E-4477-88A1-172EF076D5CB}" type="datetimeFigureOut">
               <a:rPr lang="zh-CN" altLang="en-US" smtClean="0"/>
               <a:t>2024/3/10</a:t>
             </a:fld>
@@ -265,7 +265,7 @@
           <p:cNvPr id="5" name="页脚占位符 4">
             <a:extLst>
               <a:ext uri="{FF2B5EF4-FFF2-40B4-BE49-F238E27FC236}">
-                <a16:creationId xmlns:a16="http://schemas.microsoft.com/office/drawing/2014/main" id="{67C53680-59C9-603E-A9AE-E7760026E1F5}"/>
+                <a16:creationId xmlns:a16="http://schemas.microsoft.com/office/drawing/2014/main" id="{190E603A-B293-98E6-107E-2E8874CDD7F5}"/>
               </a:ext>
             </a:extLst>
           </p:cNvPr>
@@ -290,7 +290,7 @@
           <p:cNvPr id="6" name="灯片编号占位符 5">
             <a:extLst>
               <a:ext uri="{FF2B5EF4-FFF2-40B4-BE49-F238E27FC236}">
-                <a16:creationId xmlns:a16="http://schemas.microsoft.com/office/drawing/2014/main" id="{68B2926B-79FF-10C1-DB91-282565A80C45}"/>
+                <a16:creationId xmlns:a16="http://schemas.microsoft.com/office/drawing/2014/main" id="{1BDC7D8D-75CE-C244-9B18-56437FD53A25}"/>
               </a:ext>
             </a:extLst>
           </p:cNvPr>
@@ -306,7 +306,7 @@
           <a:bodyPr/>
           <a:lstStyle/>
           <a:p>
-            <a:fld id="{58660CFA-8106-4299-AC4F-1A910EC59DE2}" type="slidenum">
+            <a:fld id="{F1CB77C0-CE1B-4D5F-B4C3-E301AADD7CCF}" type="slidenum">
               <a:rPr lang="zh-CN" altLang="en-US" smtClean="0"/>
               <a:t>‹#›</a:t>
             </a:fld>
@@ -317,7 +317,7 @@
     </p:spTree>
     <p:extLst>
       <p:ext uri="{BB962C8B-B14F-4D97-AF65-F5344CB8AC3E}">
-        <p14:creationId xmlns:p14="http://schemas.microsoft.com/office/powerpoint/2010/main" val="1345213110"/>
+        <p14:creationId xmlns:p14="http://schemas.microsoft.com/office/powerpoint/2010/main" val="2455286171"/>
       </p:ext>
     </p:extLst>
   </p:cSld>
@@ -349,7 +349,7 @@
           <p:cNvPr id="2" name="标题 1">
             <a:extLst>
               <a:ext uri="{FF2B5EF4-FFF2-40B4-BE49-F238E27FC236}">
-                <a16:creationId xmlns:a16="http://schemas.microsoft.com/office/drawing/2014/main" id="{476A2085-1102-38FB-3421-F146CDD29134}"/>
+                <a16:creationId xmlns:a16="http://schemas.microsoft.com/office/drawing/2014/main" id="{06751E7A-28FB-7211-EFA8-688C8BA612E4}"/>
               </a:ext>
             </a:extLst>
           </p:cNvPr>
@@ -377,7 +377,7 @@
           <p:cNvPr id="3" name="竖排文字占位符 2">
             <a:extLst>
               <a:ext uri="{FF2B5EF4-FFF2-40B4-BE49-F238E27FC236}">
-                <a16:creationId xmlns:a16="http://schemas.microsoft.com/office/drawing/2014/main" id="{8B54B3FE-2447-D796-DA87-5D73468C4783}"/>
+                <a16:creationId xmlns:a16="http://schemas.microsoft.com/office/drawing/2014/main" id="{0AE92743-1274-3B6E-A595-934C4688E9AC}"/>
               </a:ext>
             </a:extLst>
           </p:cNvPr>
@@ -434,7 +434,7 @@
           <p:cNvPr id="4" name="日期占位符 3">
             <a:extLst>
               <a:ext uri="{FF2B5EF4-FFF2-40B4-BE49-F238E27FC236}">
-                <a16:creationId xmlns:a16="http://schemas.microsoft.com/office/drawing/2014/main" id="{2A03321C-9AAF-4747-BC49-1E892E444448}"/>
+                <a16:creationId xmlns:a16="http://schemas.microsoft.com/office/drawing/2014/main" id="{8F7DA011-AEDA-FE92-9D75-F827C2010E5F}"/>
               </a:ext>
             </a:extLst>
           </p:cNvPr>
@@ -450,7 +450,7 @@
           <a:bodyPr/>
           <a:lstStyle/>
           <a:p>
-            <a:fld id="{DE955D42-A830-4B0D-A8EE-8B2690C4A450}" type="datetimeFigureOut">
+            <a:fld id="{3903B572-E40E-4477-88A1-172EF076D5CB}" type="datetimeFigureOut">
               <a:rPr lang="zh-CN" altLang="en-US" smtClean="0"/>
               <a:t>2024/3/10</a:t>
             </a:fld>
@@ -463,7 +463,7 @@
           <p:cNvPr id="5" name="页脚占位符 4">
             <a:extLst>
               <a:ext uri="{FF2B5EF4-FFF2-40B4-BE49-F238E27FC236}">
-                <a16:creationId xmlns:a16="http://schemas.microsoft.com/office/drawing/2014/main" id="{D79D2503-2D04-708E-575D-073ABA0DD903}"/>
+                <a16:creationId xmlns:a16="http://schemas.microsoft.com/office/drawing/2014/main" id="{6CA1055F-69C6-FFF7-34E6-527394D347D8}"/>
               </a:ext>
             </a:extLst>
           </p:cNvPr>
@@ -488,7 +488,7 @@
           <p:cNvPr id="6" name="灯片编号占位符 5">
             <a:extLst>
               <a:ext uri="{FF2B5EF4-FFF2-40B4-BE49-F238E27FC236}">
-                <a16:creationId xmlns:a16="http://schemas.microsoft.com/office/drawing/2014/main" id="{083B9E87-64EC-F652-FF85-D32AFA459246}"/>
+                <a16:creationId xmlns:a16="http://schemas.microsoft.com/office/drawing/2014/main" id="{5DECA64F-A1B8-AB0C-5EA7-A85097FC2FE1}"/>
               </a:ext>
             </a:extLst>
           </p:cNvPr>
@@ -504,7 +504,7 @@
           <a:bodyPr/>
           <a:lstStyle/>
           <a:p>
-            <a:fld id="{58660CFA-8106-4299-AC4F-1A910EC59DE2}" type="slidenum">
+            <a:fld id="{F1CB77C0-CE1B-4D5F-B4C3-E301AADD7CCF}" type="slidenum">
               <a:rPr lang="zh-CN" altLang="en-US" smtClean="0"/>
               <a:t>‹#›</a:t>
             </a:fld>
@@ -515,7 +515,7 @@
     </p:spTree>
     <p:extLst>
       <p:ext uri="{BB962C8B-B14F-4D97-AF65-F5344CB8AC3E}">
-        <p14:creationId xmlns:p14="http://schemas.microsoft.com/office/powerpoint/2010/main" val="83677352"/>
+        <p14:creationId xmlns:p14="http://schemas.microsoft.com/office/powerpoint/2010/main" val="4047480865"/>
       </p:ext>
     </p:extLst>
   </p:cSld>
@@ -547,7 +547,7 @@
           <p:cNvPr id="2" name="竖排标题 1">
             <a:extLst>
               <a:ext uri="{FF2B5EF4-FFF2-40B4-BE49-F238E27FC236}">
-                <a16:creationId xmlns:a16="http://schemas.microsoft.com/office/drawing/2014/main" id="{F7BB41CB-5428-418F-5C9A-A1D101B4F9EF}"/>
+                <a16:creationId xmlns:a16="http://schemas.microsoft.com/office/drawing/2014/main" id="{B6349C87-17B0-19D4-C7B2-987E44B05EDE}"/>
               </a:ext>
             </a:extLst>
           </p:cNvPr>
@@ -580,7 +580,7 @@
           <p:cNvPr id="3" name="竖排文字占位符 2">
             <a:extLst>
               <a:ext uri="{FF2B5EF4-FFF2-40B4-BE49-F238E27FC236}">
-                <a16:creationId xmlns:a16="http://schemas.microsoft.com/office/drawing/2014/main" id="{BB061AA1-C02A-1743-5116-177DA09646E4}"/>
+                <a16:creationId xmlns:a16="http://schemas.microsoft.com/office/drawing/2014/main" id="{CB2896A2-EC90-F952-A117-31E547C5F127}"/>
               </a:ext>
             </a:extLst>
           </p:cNvPr>
@@ -642,7 +642,7 @@
           <p:cNvPr id="4" name="日期占位符 3">
             <a:extLst>
               <a:ext uri="{FF2B5EF4-FFF2-40B4-BE49-F238E27FC236}">
-                <a16:creationId xmlns:a16="http://schemas.microsoft.com/office/drawing/2014/main" id="{275E0851-E4D8-5AD3-9A2D-EDD43CAA00B9}"/>
+                <a16:creationId xmlns:a16="http://schemas.microsoft.com/office/drawing/2014/main" id="{D9B66A44-8DDA-3C37-F66F-A59CA6E81F70}"/>
               </a:ext>
             </a:extLst>
           </p:cNvPr>
@@ -658,7 +658,7 @@
           <a:bodyPr/>
           <a:lstStyle/>
           <a:p>
-            <a:fld id="{DE955D42-A830-4B0D-A8EE-8B2690C4A450}" type="datetimeFigureOut">
+            <a:fld id="{3903B572-E40E-4477-88A1-172EF076D5CB}" type="datetimeFigureOut">
               <a:rPr lang="zh-CN" altLang="en-US" smtClean="0"/>
               <a:t>2024/3/10</a:t>
             </a:fld>
@@ -671,7 +671,7 @@
           <p:cNvPr id="5" name="页脚占位符 4">
             <a:extLst>
               <a:ext uri="{FF2B5EF4-FFF2-40B4-BE49-F238E27FC236}">
-                <a16:creationId xmlns:a16="http://schemas.microsoft.com/office/drawing/2014/main" id="{FB1DAE52-4C57-07AC-6288-8C93F04571AC}"/>
+                <a16:creationId xmlns:a16="http://schemas.microsoft.com/office/drawing/2014/main" id="{1568F80A-7367-027A-6E09-DF0D64EB03ED}"/>
               </a:ext>
             </a:extLst>
           </p:cNvPr>
@@ -696,7 +696,7 @@
           <p:cNvPr id="6" name="灯片编号占位符 5">
             <a:extLst>
               <a:ext uri="{FF2B5EF4-FFF2-40B4-BE49-F238E27FC236}">
-                <a16:creationId xmlns:a16="http://schemas.microsoft.com/office/drawing/2014/main" id="{1C94A0AC-3E74-8172-749D-1BA485504459}"/>
+                <a16:creationId xmlns:a16="http://schemas.microsoft.com/office/drawing/2014/main" id="{5D120A78-FFCB-9762-B68F-98E514D5D2B7}"/>
               </a:ext>
             </a:extLst>
           </p:cNvPr>
@@ -712,7 +712,7 @@
           <a:bodyPr/>
           <a:lstStyle/>
           <a:p>
-            <a:fld id="{58660CFA-8106-4299-AC4F-1A910EC59DE2}" type="slidenum">
+            <a:fld id="{F1CB77C0-CE1B-4D5F-B4C3-E301AADD7CCF}" type="slidenum">
               <a:rPr lang="zh-CN" altLang="en-US" smtClean="0"/>
               <a:t>‹#›</a:t>
             </a:fld>
@@ -723,7 +723,7 @@
     </p:spTree>
     <p:extLst>
       <p:ext uri="{BB962C8B-B14F-4D97-AF65-F5344CB8AC3E}">
-        <p14:creationId xmlns:p14="http://schemas.microsoft.com/office/powerpoint/2010/main" val="3538931351"/>
+        <p14:creationId xmlns:p14="http://schemas.microsoft.com/office/powerpoint/2010/main" val="1020016864"/>
       </p:ext>
     </p:extLst>
   </p:cSld>
@@ -755,7 +755,7 @@
           <p:cNvPr id="2" name="标题 1">
             <a:extLst>
               <a:ext uri="{FF2B5EF4-FFF2-40B4-BE49-F238E27FC236}">
-                <a16:creationId xmlns:a16="http://schemas.microsoft.com/office/drawing/2014/main" id="{B2C6EF7A-54F5-DD26-5D30-2882DED3CC6F}"/>
+                <a16:creationId xmlns:a16="http://schemas.microsoft.com/office/drawing/2014/main" id="{3AE760D3-92B2-2764-AC80-57A29CCC24E7}"/>
               </a:ext>
             </a:extLst>
           </p:cNvPr>
@@ -783,7 +783,7 @@
           <p:cNvPr id="3" name="内容占位符 2">
             <a:extLst>
               <a:ext uri="{FF2B5EF4-FFF2-40B4-BE49-F238E27FC236}">
-                <a16:creationId xmlns:a16="http://schemas.microsoft.com/office/drawing/2014/main" id="{6F2A3F81-66EF-99BC-F624-114C3374B837}"/>
+                <a16:creationId xmlns:a16="http://schemas.microsoft.com/office/drawing/2014/main" id="{5DFDAF35-4FEA-D8A1-D3E0-CDC33691D4DC}"/>
               </a:ext>
             </a:extLst>
           </p:cNvPr>
@@ -840,7 +840,7 @@
           <p:cNvPr id="4" name="日期占位符 3">
             <a:extLst>
               <a:ext uri="{FF2B5EF4-FFF2-40B4-BE49-F238E27FC236}">
-                <a16:creationId xmlns:a16="http://schemas.microsoft.com/office/drawing/2014/main" id="{41CA72C7-2603-A4EE-9ACF-C9E3A279325E}"/>
+                <a16:creationId xmlns:a16="http://schemas.microsoft.com/office/drawing/2014/main" id="{1FC896D1-4622-EFB6-E3F2-2171672964AF}"/>
               </a:ext>
             </a:extLst>
           </p:cNvPr>
@@ -856,7 +856,7 @@
           <a:bodyPr/>
           <a:lstStyle/>
           <a:p>
-            <a:fld id="{DE955D42-A830-4B0D-A8EE-8B2690C4A450}" type="datetimeFigureOut">
+            <a:fld id="{3903B572-E40E-4477-88A1-172EF076D5CB}" type="datetimeFigureOut">
               <a:rPr lang="zh-CN" altLang="en-US" smtClean="0"/>
               <a:t>2024/3/10</a:t>
             </a:fld>
@@ -869,7 +869,7 @@
           <p:cNvPr id="5" name="页脚占位符 4">
             <a:extLst>
               <a:ext uri="{FF2B5EF4-FFF2-40B4-BE49-F238E27FC236}">
-                <a16:creationId xmlns:a16="http://schemas.microsoft.com/office/drawing/2014/main" id="{C6E1AD1F-8935-784F-3A6C-6E09A9481A80}"/>
+                <a16:creationId xmlns:a16="http://schemas.microsoft.com/office/drawing/2014/main" id="{020DEBF1-2DD8-A427-AF9B-F128EDFFDAB1}"/>
               </a:ext>
             </a:extLst>
           </p:cNvPr>
@@ -894,7 +894,7 @@
           <p:cNvPr id="6" name="灯片编号占位符 5">
             <a:extLst>
               <a:ext uri="{FF2B5EF4-FFF2-40B4-BE49-F238E27FC236}">
-                <a16:creationId xmlns:a16="http://schemas.microsoft.com/office/drawing/2014/main" id="{5AD0B934-D347-A4AF-1672-4C168134D039}"/>
+                <a16:creationId xmlns:a16="http://schemas.microsoft.com/office/drawing/2014/main" id="{DDA0A038-2499-B4AE-B5F9-0E406ED2BDAD}"/>
               </a:ext>
             </a:extLst>
           </p:cNvPr>
@@ -910,7 +910,7 @@
           <a:bodyPr/>
           <a:lstStyle/>
           <a:p>
-            <a:fld id="{58660CFA-8106-4299-AC4F-1A910EC59DE2}" type="slidenum">
+            <a:fld id="{F1CB77C0-CE1B-4D5F-B4C3-E301AADD7CCF}" type="slidenum">
               <a:rPr lang="zh-CN" altLang="en-US" smtClean="0"/>
               <a:t>‹#›</a:t>
             </a:fld>
@@ -921,7 +921,7 @@
     </p:spTree>
     <p:extLst>
       <p:ext uri="{BB962C8B-B14F-4D97-AF65-F5344CB8AC3E}">
-        <p14:creationId xmlns:p14="http://schemas.microsoft.com/office/powerpoint/2010/main" val="961329749"/>
+        <p14:creationId xmlns:p14="http://schemas.microsoft.com/office/powerpoint/2010/main" val="3915629989"/>
       </p:ext>
     </p:extLst>
   </p:cSld>
@@ -953,7 +953,7 @@
           <p:cNvPr id="2" name="标题 1">
             <a:extLst>
               <a:ext uri="{FF2B5EF4-FFF2-40B4-BE49-F238E27FC236}">
-                <a16:creationId xmlns:a16="http://schemas.microsoft.com/office/drawing/2014/main" id="{1FE3EFF7-E6BB-314C-450A-904649975700}"/>
+                <a16:creationId xmlns:a16="http://schemas.microsoft.com/office/drawing/2014/main" id="{CFFEFE00-DDD0-9CF6-4C67-EB89E263F448}"/>
               </a:ext>
             </a:extLst>
           </p:cNvPr>
@@ -990,7 +990,7 @@
           <p:cNvPr id="3" name="文本占位符 2">
             <a:extLst>
               <a:ext uri="{FF2B5EF4-FFF2-40B4-BE49-F238E27FC236}">
-                <a16:creationId xmlns:a16="http://schemas.microsoft.com/office/drawing/2014/main" id="{70EE01EF-88A6-1698-D91E-92397535BBD8}"/>
+                <a16:creationId xmlns:a16="http://schemas.microsoft.com/office/drawing/2014/main" id="{9E5DA584-BFEA-C67A-26F9-3D481B94DA00}"/>
               </a:ext>
             </a:extLst>
           </p:cNvPr>
@@ -1115,7 +1115,7 @@
           <p:cNvPr id="4" name="日期占位符 3">
             <a:extLst>
               <a:ext uri="{FF2B5EF4-FFF2-40B4-BE49-F238E27FC236}">
-                <a16:creationId xmlns:a16="http://schemas.microsoft.com/office/drawing/2014/main" id="{E72F95BF-ABC1-ED57-C547-620B23310F09}"/>
+                <a16:creationId xmlns:a16="http://schemas.microsoft.com/office/drawing/2014/main" id="{EC1F67CC-C143-3934-64D5-58EF61A13A99}"/>
               </a:ext>
             </a:extLst>
           </p:cNvPr>
@@ -1131,7 +1131,7 @@
           <a:bodyPr/>
           <a:lstStyle/>
           <a:p>
-            <a:fld id="{DE955D42-A830-4B0D-A8EE-8B2690C4A450}" type="datetimeFigureOut">
+            <a:fld id="{3903B572-E40E-4477-88A1-172EF076D5CB}" type="datetimeFigureOut">
               <a:rPr lang="zh-CN" altLang="en-US" smtClean="0"/>
               <a:t>2024/3/10</a:t>
             </a:fld>
@@ -1144,7 +1144,7 @@
           <p:cNvPr id="5" name="页脚占位符 4">
             <a:extLst>
               <a:ext uri="{FF2B5EF4-FFF2-40B4-BE49-F238E27FC236}">
-                <a16:creationId xmlns:a16="http://schemas.microsoft.com/office/drawing/2014/main" id="{6DCDB9E8-B18A-63A5-B144-3B3B13575FF3}"/>
+                <a16:creationId xmlns:a16="http://schemas.microsoft.com/office/drawing/2014/main" id="{57543BB5-ADAA-4BF6-04C7-40382F41BA8B}"/>
               </a:ext>
             </a:extLst>
           </p:cNvPr>
@@ -1169,7 +1169,7 @@
           <p:cNvPr id="6" name="灯片编号占位符 5">
             <a:extLst>
               <a:ext uri="{FF2B5EF4-FFF2-40B4-BE49-F238E27FC236}">
-                <a16:creationId xmlns:a16="http://schemas.microsoft.com/office/drawing/2014/main" id="{E822F84F-3F3D-01AC-10C2-A09D2BCE1D7C}"/>
+                <a16:creationId xmlns:a16="http://schemas.microsoft.com/office/drawing/2014/main" id="{1F27A39D-D6AD-EBD9-7BD9-42F369D2C2CD}"/>
               </a:ext>
             </a:extLst>
           </p:cNvPr>
@@ -1185,7 +1185,7 @@
           <a:bodyPr/>
           <a:lstStyle/>
           <a:p>
-            <a:fld id="{58660CFA-8106-4299-AC4F-1A910EC59DE2}" type="slidenum">
+            <a:fld id="{F1CB77C0-CE1B-4D5F-B4C3-E301AADD7CCF}" type="slidenum">
               <a:rPr lang="zh-CN" altLang="en-US" smtClean="0"/>
               <a:t>‹#›</a:t>
             </a:fld>
@@ -1196,7 +1196,7 @@
     </p:spTree>
     <p:extLst>
       <p:ext uri="{BB962C8B-B14F-4D97-AF65-F5344CB8AC3E}">
-        <p14:creationId xmlns:p14="http://schemas.microsoft.com/office/powerpoint/2010/main" val="2717700401"/>
+        <p14:creationId xmlns:p14="http://schemas.microsoft.com/office/powerpoint/2010/main" val="793908695"/>
       </p:ext>
     </p:extLst>
   </p:cSld>
@@ -1228,7 +1228,7 @@
           <p:cNvPr id="2" name="标题 1">
             <a:extLst>
               <a:ext uri="{FF2B5EF4-FFF2-40B4-BE49-F238E27FC236}">
-                <a16:creationId xmlns:a16="http://schemas.microsoft.com/office/drawing/2014/main" id="{25BC945A-6E80-A558-F4D5-9FD0D63C0495}"/>
+                <a16:creationId xmlns:a16="http://schemas.microsoft.com/office/drawing/2014/main" id="{20EB129F-F97B-5D1B-4BC5-A811973D9969}"/>
               </a:ext>
             </a:extLst>
           </p:cNvPr>
@@ -1256,7 +1256,7 @@
           <p:cNvPr id="3" name="内容占位符 2">
             <a:extLst>
               <a:ext uri="{FF2B5EF4-FFF2-40B4-BE49-F238E27FC236}">
-                <a16:creationId xmlns:a16="http://schemas.microsoft.com/office/drawing/2014/main" id="{34D80352-3AA8-56E9-A788-65ABB74964C5}"/>
+                <a16:creationId xmlns:a16="http://schemas.microsoft.com/office/drawing/2014/main" id="{ABF73931-CB6F-0557-937B-B49081331A17}"/>
               </a:ext>
             </a:extLst>
           </p:cNvPr>
@@ -1318,7 +1318,7 @@
           <p:cNvPr id="4" name="内容占位符 3">
             <a:extLst>
               <a:ext uri="{FF2B5EF4-FFF2-40B4-BE49-F238E27FC236}">
-                <a16:creationId xmlns:a16="http://schemas.microsoft.com/office/drawing/2014/main" id="{A4D66376-BBD1-782B-12D0-130E13BBA543}"/>
+                <a16:creationId xmlns:a16="http://schemas.microsoft.com/office/drawing/2014/main" id="{93CCFE2F-4580-C2A3-DB1D-421EE71C32B0}"/>
               </a:ext>
             </a:extLst>
           </p:cNvPr>
@@ -1380,7 +1380,7 @@
           <p:cNvPr id="5" name="日期占位符 4">
             <a:extLst>
               <a:ext uri="{FF2B5EF4-FFF2-40B4-BE49-F238E27FC236}">
-                <a16:creationId xmlns:a16="http://schemas.microsoft.com/office/drawing/2014/main" id="{D18AD5FA-1404-D8FC-B844-A3D00893666A}"/>
+                <a16:creationId xmlns:a16="http://schemas.microsoft.com/office/drawing/2014/main" id="{E76A33C4-58D5-56B9-E78B-BA1BDC719EE6}"/>
               </a:ext>
             </a:extLst>
           </p:cNvPr>
@@ -1396,7 +1396,7 @@
           <a:bodyPr/>
           <a:lstStyle/>
           <a:p>
-            <a:fld id="{DE955D42-A830-4B0D-A8EE-8B2690C4A450}" type="datetimeFigureOut">
+            <a:fld id="{3903B572-E40E-4477-88A1-172EF076D5CB}" type="datetimeFigureOut">
               <a:rPr lang="zh-CN" altLang="en-US" smtClean="0"/>
               <a:t>2024/3/10</a:t>
             </a:fld>
@@ -1409,7 +1409,7 @@
           <p:cNvPr id="6" name="页脚占位符 5">
             <a:extLst>
               <a:ext uri="{FF2B5EF4-FFF2-40B4-BE49-F238E27FC236}">
-                <a16:creationId xmlns:a16="http://schemas.microsoft.com/office/drawing/2014/main" id="{DC2BFBF1-67F6-C587-E95D-5FE397AE3357}"/>
+                <a16:creationId xmlns:a16="http://schemas.microsoft.com/office/drawing/2014/main" id="{6089D8A1-7D57-597D-2224-9DCE3D7E85B1}"/>
               </a:ext>
             </a:extLst>
           </p:cNvPr>
@@ -1434,7 +1434,7 @@
           <p:cNvPr id="7" name="灯片编号占位符 6">
             <a:extLst>
               <a:ext uri="{FF2B5EF4-FFF2-40B4-BE49-F238E27FC236}">
-                <a16:creationId xmlns:a16="http://schemas.microsoft.com/office/drawing/2014/main" id="{7657DC40-DF13-86CE-E6F5-5BD8C6C6D6C1}"/>
+                <a16:creationId xmlns:a16="http://schemas.microsoft.com/office/drawing/2014/main" id="{5A1AF399-12EA-2EDE-80DC-503DB37CFCA2}"/>
               </a:ext>
             </a:extLst>
           </p:cNvPr>
@@ -1450,7 +1450,7 @@
           <a:bodyPr/>
           <a:lstStyle/>
           <a:p>
-            <a:fld id="{58660CFA-8106-4299-AC4F-1A910EC59DE2}" type="slidenum">
+            <a:fld id="{F1CB77C0-CE1B-4D5F-B4C3-E301AADD7CCF}" type="slidenum">
               <a:rPr lang="zh-CN" altLang="en-US" smtClean="0"/>
               <a:t>‹#›</a:t>
             </a:fld>
@@ -1461,7 +1461,7 @@
     </p:spTree>
     <p:extLst>
       <p:ext uri="{BB962C8B-B14F-4D97-AF65-F5344CB8AC3E}">
-        <p14:creationId xmlns:p14="http://schemas.microsoft.com/office/powerpoint/2010/main" val="1820987515"/>
+        <p14:creationId xmlns:p14="http://schemas.microsoft.com/office/powerpoint/2010/main" val="1597654226"/>
       </p:ext>
     </p:extLst>
   </p:cSld>
@@ -1493,7 +1493,7 @@
           <p:cNvPr id="2" name="标题 1">
             <a:extLst>
               <a:ext uri="{FF2B5EF4-FFF2-40B4-BE49-F238E27FC236}">
-                <a16:creationId xmlns:a16="http://schemas.microsoft.com/office/drawing/2014/main" id="{DF5029C8-0619-3A67-05AF-BBB3A11F11A1}"/>
+                <a16:creationId xmlns:a16="http://schemas.microsoft.com/office/drawing/2014/main" id="{9BD72D52-098D-8C6E-F1C7-A6C857FC47C5}"/>
               </a:ext>
             </a:extLst>
           </p:cNvPr>
@@ -1526,7 +1526,7 @@
           <p:cNvPr id="3" name="文本占位符 2">
             <a:extLst>
               <a:ext uri="{FF2B5EF4-FFF2-40B4-BE49-F238E27FC236}">
-                <a16:creationId xmlns:a16="http://schemas.microsoft.com/office/drawing/2014/main" id="{3018E458-4625-F454-233C-48E5327A30C1}"/>
+                <a16:creationId xmlns:a16="http://schemas.microsoft.com/office/drawing/2014/main" id="{3F7FCBE5-4B53-BD58-8B96-F1F98B211DBF}"/>
               </a:ext>
             </a:extLst>
           </p:cNvPr>
@@ -1597,7 +1597,7 @@
           <p:cNvPr id="4" name="内容占位符 3">
             <a:extLst>
               <a:ext uri="{FF2B5EF4-FFF2-40B4-BE49-F238E27FC236}">
-                <a16:creationId xmlns:a16="http://schemas.microsoft.com/office/drawing/2014/main" id="{285DB58B-F473-054F-32A3-84DBCC4ED013}"/>
+                <a16:creationId xmlns:a16="http://schemas.microsoft.com/office/drawing/2014/main" id="{EB7BD853-4304-3482-BB4D-97584A6B3676}"/>
               </a:ext>
             </a:extLst>
           </p:cNvPr>
@@ -1659,7 +1659,7 @@
           <p:cNvPr id="5" name="文本占位符 4">
             <a:extLst>
               <a:ext uri="{FF2B5EF4-FFF2-40B4-BE49-F238E27FC236}">
-                <a16:creationId xmlns:a16="http://schemas.microsoft.com/office/drawing/2014/main" id="{385D3955-0A25-F6B6-FEDC-0437F8DE88D3}"/>
+                <a16:creationId xmlns:a16="http://schemas.microsoft.com/office/drawing/2014/main" id="{FC338B53-69BA-06CC-7941-5AE0E72E702E}"/>
               </a:ext>
             </a:extLst>
           </p:cNvPr>
@@ -1730,7 +1730,7 @@
           <p:cNvPr id="6" name="内容占位符 5">
             <a:extLst>
               <a:ext uri="{FF2B5EF4-FFF2-40B4-BE49-F238E27FC236}">
-                <a16:creationId xmlns:a16="http://schemas.microsoft.com/office/drawing/2014/main" id="{63C50F51-E229-45F0-03BD-E50018AAC657}"/>
+                <a16:creationId xmlns:a16="http://schemas.microsoft.com/office/drawing/2014/main" id="{BA8346FE-ABFF-0334-4AA8-E6DDDE51BA19}"/>
               </a:ext>
             </a:extLst>
           </p:cNvPr>
@@ -1792,7 +1792,7 @@
           <p:cNvPr id="7" name="日期占位符 6">
             <a:extLst>
               <a:ext uri="{FF2B5EF4-FFF2-40B4-BE49-F238E27FC236}">
-                <a16:creationId xmlns:a16="http://schemas.microsoft.com/office/drawing/2014/main" id="{B49133B0-3C2F-E5CD-C37E-F4FD5DD75D93}"/>
+                <a16:creationId xmlns:a16="http://schemas.microsoft.com/office/drawing/2014/main" id="{F69B24D6-19DC-EBFC-F62E-5CF62E75CA51}"/>
               </a:ext>
             </a:extLst>
           </p:cNvPr>
@@ -1808,7 +1808,7 @@
           <a:bodyPr/>
           <a:lstStyle/>
           <a:p>
-            <a:fld id="{DE955D42-A830-4B0D-A8EE-8B2690C4A450}" type="datetimeFigureOut">
+            <a:fld id="{3903B572-E40E-4477-88A1-172EF076D5CB}" type="datetimeFigureOut">
               <a:rPr lang="zh-CN" altLang="en-US" smtClean="0"/>
               <a:t>2024/3/10</a:t>
             </a:fld>
@@ -1821,7 +1821,7 @@
           <p:cNvPr id="8" name="页脚占位符 7">
             <a:extLst>
               <a:ext uri="{FF2B5EF4-FFF2-40B4-BE49-F238E27FC236}">
-                <a16:creationId xmlns:a16="http://schemas.microsoft.com/office/drawing/2014/main" id="{A1E5C2DD-B45A-E782-E453-B43E5DBE1A56}"/>
+                <a16:creationId xmlns:a16="http://schemas.microsoft.com/office/drawing/2014/main" id="{7B7CE8FE-03A1-62F7-9BF8-4FD39F555443}"/>
               </a:ext>
             </a:extLst>
           </p:cNvPr>
@@ -1846,7 +1846,7 @@
           <p:cNvPr id="9" name="灯片编号占位符 8">
             <a:extLst>
               <a:ext uri="{FF2B5EF4-FFF2-40B4-BE49-F238E27FC236}">
-                <a16:creationId xmlns:a16="http://schemas.microsoft.com/office/drawing/2014/main" id="{1D328B43-C3D1-1D3A-69CF-81D3295EB886}"/>
+                <a16:creationId xmlns:a16="http://schemas.microsoft.com/office/drawing/2014/main" id="{2AEC3F83-75A4-20D1-4184-C3688674AB04}"/>
               </a:ext>
             </a:extLst>
           </p:cNvPr>
@@ -1862,7 +1862,7 @@
           <a:bodyPr/>
           <a:lstStyle/>
           <a:p>
-            <a:fld id="{58660CFA-8106-4299-AC4F-1A910EC59DE2}" type="slidenum">
+            <a:fld id="{F1CB77C0-CE1B-4D5F-B4C3-E301AADD7CCF}" type="slidenum">
               <a:rPr lang="zh-CN" altLang="en-US" smtClean="0"/>
               <a:t>‹#›</a:t>
             </a:fld>
@@ -1873,7 +1873,7 @@
     </p:spTree>
     <p:extLst>
       <p:ext uri="{BB962C8B-B14F-4D97-AF65-F5344CB8AC3E}">
-        <p14:creationId xmlns:p14="http://schemas.microsoft.com/office/powerpoint/2010/main" val="1954139863"/>
+        <p14:creationId xmlns:p14="http://schemas.microsoft.com/office/powerpoint/2010/main" val="3610776056"/>
       </p:ext>
     </p:extLst>
   </p:cSld>
@@ -1905,7 +1905,7 @@
           <p:cNvPr id="2" name="标题 1">
             <a:extLst>
               <a:ext uri="{FF2B5EF4-FFF2-40B4-BE49-F238E27FC236}">
-                <a16:creationId xmlns:a16="http://schemas.microsoft.com/office/drawing/2014/main" id="{518888C2-ED0D-61A0-258E-F5B217CC7B15}"/>
+                <a16:creationId xmlns:a16="http://schemas.microsoft.com/office/drawing/2014/main" id="{5B743357-F5E4-311A-229E-59A8876437AD}"/>
               </a:ext>
             </a:extLst>
           </p:cNvPr>
@@ -1933,7 +1933,7 @@
           <p:cNvPr id="3" name="日期占位符 2">
             <a:extLst>
               <a:ext uri="{FF2B5EF4-FFF2-40B4-BE49-F238E27FC236}">
-                <a16:creationId xmlns:a16="http://schemas.microsoft.com/office/drawing/2014/main" id="{41E4A68A-0B83-05C1-0291-45016FA866E9}"/>
+                <a16:creationId xmlns:a16="http://schemas.microsoft.com/office/drawing/2014/main" id="{BB686A3F-7345-5A74-D04B-089FD1872A3A}"/>
               </a:ext>
             </a:extLst>
           </p:cNvPr>
@@ -1949,7 +1949,7 @@
           <a:bodyPr/>
           <a:lstStyle/>
           <a:p>
-            <a:fld id="{DE955D42-A830-4B0D-A8EE-8B2690C4A450}" type="datetimeFigureOut">
+            <a:fld id="{3903B572-E40E-4477-88A1-172EF076D5CB}" type="datetimeFigureOut">
               <a:rPr lang="zh-CN" altLang="en-US" smtClean="0"/>
               <a:t>2024/3/10</a:t>
             </a:fld>
@@ -1962,7 +1962,7 @@
           <p:cNvPr id="4" name="页脚占位符 3">
             <a:extLst>
               <a:ext uri="{FF2B5EF4-FFF2-40B4-BE49-F238E27FC236}">
-                <a16:creationId xmlns:a16="http://schemas.microsoft.com/office/drawing/2014/main" id="{0E35FEFF-BC59-410F-E9A5-75A45005D164}"/>
+                <a16:creationId xmlns:a16="http://schemas.microsoft.com/office/drawing/2014/main" id="{75CC2B0B-B9B5-C47D-E827-B47EF65AFA91}"/>
               </a:ext>
             </a:extLst>
           </p:cNvPr>
@@ -1987,7 +1987,7 @@
           <p:cNvPr id="5" name="灯片编号占位符 4">
             <a:extLst>
               <a:ext uri="{FF2B5EF4-FFF2-40B4-BE49-F238E27FC236}">
-                <a16:creationId xmlns:a16="http://schemas.microsoft.com/office/drawing/2014/main" id="{4C665AC7-62A1-E649-7F1C-3BA0CE2EE8D7}"/>
+                <a16:creationId xmlns:a16="http://schemas.microsoft.com/office/drawing/2014/main" id="{17AAD89E-4536-70C2-C75E-D5BDC9CFC087}"/>
               </a:ext>
             </a:extLst>
           </p:cNvPr>
@@ -2003,7 +2003,7 @@
           <a:bodyPr/>
           <a:lstStyle/>
           <a:p>
-            <a:fld id="{58660CFA-8106-4299-AC4F-1A910EC59DE2}" type="slidenum">
+            <a:fld id="{F1CB77C0-CE1B-4D5F-B4C3-E301AADD7CCF}" type="slidenum">
               <a:rPr lang="zh-CN" altLang="en-US" smtClean="0"/>
               <a:t>‹#›</a:t>
             </a:fld>
@@ -2014,7 +2014,7 @@
     </p:spTree>
     <p:extLst>
       <p:ext uri="{BB962C8B-B14F-4D97-AF65-F5344CB8AC3E}">
-        <p14:creationId xmlns:p14="http://schemas.microsoft.com/office/powerpoint/2010/main" val="849495294"/>
+        <p14:creationId xmlns:p14="http://schemas.microsoft.com/office/powerpoint/2010/main" val="2080881231"/>
       </p:ext>
     </p:extLst>
   </p:cSld>
@@ -2046,7 +2046,7 @@
           <p:cNvPr id="2" name="日期占位符 1">
             <a:extLst>
               <a:ext uri="{FF2B5EF4-FFF2-40B4-BE49-F238E27FC236}">
-                <a16:creationId xmlns:a16="http://schemas.microsoft.com/office/drawing/2014/main" id="{1633105A-BC1D-792A-781D-96254DFA0D73}"/>
+                <a16:creationId xmlns:a16="http://schemas.microsoft.com/office/drawing/2014/main" id="{8080F890-0D14-0452-6BD5-3BE2ECDE08F0}"/>
               </a:ext>
             </a:extLst>
           </p:cNvPr>
@@ -2062,7 +2062,7 @@
           <a:bodyPr/>
           <a:lstStyle/>
           <a:p>
-            <a:fld id="{DE955D42-A830-4B0D-A8EE-8B2690C4A450}" type="datetimeFigureOut">
+            <a:fld id="{3903B572-E40E-4477-88A1-172EF076D5CB}" type="datetimeFigureOut">
               <a:rPr lang="zh-CN" altLang="en-US" smtClean="0"/>
               <a:t>2024/3/10</a:t>
             </a:fld>
@@ -2075,7 +2075,7 @@
           <p:cNvPr id="3" name="页脚占位符 2">
             <a:extLst>
               <a:ext uri="{FF2B5EF4-FFF2-40B4-BE49-F238E27FC236}">
-                <a16:creationId xmlns:a16="http://schemas.microsoft.com/office/drawing/2014/main" id="{BEFE5249-4886-2DF9-4534-88DC339BEC0D}"/>
+                <a16:creationId xmlns:a16="http://schemas.microsoft.com/office/drawing/2014/main" id="{A2CB8332-10BE-BE76-6EF3-CFFE2F1385EC}"/>
               </a:ext>
             </a:extLst>
           </p:cNvPr>
@@ -2100,7 +2100,7 @@
           <p:cNvPr id="4" name="灯片编号占位符 3">
             <a:extLst>
               <a:ext uri="{FF2B5EF4-FFF2-40B4-BE49-F238E27FC236}">
-                <a16:creationId xmlns:a16="http://schemas.microsoft.com/office/drawing/2014/main" id="{F7BA7AEF-20E4-F021-3880-B93B12F4E13E}"/>
+                <a16:creationId xmlns:a16="http://schemas.microsoft.com/office/drawing/2014/main" id="{7176F796-C80E-9F31-B0EE-F61143FCC9FC}"/>
               </a:ext>
             </a:extLst>
           </p:cNvPr>
@@ -2116,7 +2116,7 @@
           <a:bodyPr/>
           <a:lstStyle/>
           <a:p>
-            <a:fld id="{58660CFA-8106-4299-AC4F-1A910EC59DE2}" type="slidenum">
+            <a:fld id="{F1CB77C0-CE1B-4D5F-B4C3-E301AADD7CCF}" type="slidenum">
               <a:rPr lang="zh-CN" altLang="en-US" smtClean="0"/>
               <a:t>‹#›</a:t>
             </a:fld>
@@ -2127,7 +2127,7 @@
     </p:spTree>
     <p:extLst>
       <p:ext uri="{BB962C8B-B14F-4D97-AF65-F5344CB8AC3E}">
-        <p14:creationId xmlns:p14="http://schemas.microsoft.com/office/powerpoint/2010/main" val="243772251"/>
+        <p14:creationId xmlns:p14="http://schemas.microsoft.com/office/powerpoint/2010/main" val="3151463242"/>
       </p:ext>
     </p:extLst>
   </p:cSld>
@@ -2159,7 +2159,7 @@
           <p:cNvPr id="2" name="标题 1">
             <a:extLst>
               <a:ext uri="{FF2B5EF4-FFF2-40B4-BE49-F238E27FC236}">
-                <a16:creationId xmlns:a16="http://schemas.microsoft.com/office/drawing/2014/main" id="{52159BC1-784F-A0BC-BFDA-9F8D57F38824}"/>
+                <a16:creationId xmlns:a16="http://schemas.microsoft.com/office/drawing/2014/main" id="{A3572A68-2CB0-3691-4520-339175908816}"/>
               </a:ext>
             </a:extLst>
           </p:cNvPr>
@@ -2196,7 +2196,7 @@
           <p:cNvPr id="3" name="内容占位符 2">
             <a:extLst>
               <a:ext uri="{FF2B5EF4-FFF2-40B4-BE49-F238E27FC236}">
-                <a16:creationId xmlns:a16="http://schemas.microsoft.com/office/drawing/2014/main" id="{E33A29A3-87F4-65DA-3E83-64B49E6B3A39}"/>
+                <a16:creationId xmlns:a16="http://schemas.microsoft.com/office/drawing/2014/main" id="{A69C997D-7BFB-E065-8429-F2F3E6240F5D}"/>
               </a:ext>
             </a:extLst>
           </p:cNvPr>
@@ -2286,7 +2286,7 @@
           <p:cNvPr id="4" name="文本占位符 3">
             <a:extLst>
               <a:ext uri="{FF2B5EF4-FFF2-40B4-BE49-F238E27FC236}">
-                <a16:creationId xmlns:a16="http://schemas.microsoft.com/office/drawing/2014/main" id="{4D35B6E6-1AD4-7395-E98D-7093217AF50F}"/>
+                <a16:creationId xmlns:a16="http://schemas.microsoft.com/office/drawing/2014/main" id="{C76B9090-5E84-D456-3999-692E6600446E}"/>
               </a:ext>
             </a:extLst>
           </p:cNvPr>
@@ -2357,7 +2357,7 @@
           <p:cNvPr id="5" name="日期占位符 4">
             <a:extLst>
               <a:ext uri="{FF2B5EF4-FFF2-40B4-BE49-F238E27FC236}">
-                <a16:creationId xmlns:a16="http://schemas.microsoft.com/office/drawing/2014/main" id="{30C6D0A4-FAC7-DAB1-E566-C22AEE25AD80}"/>
+                <a16:creationId xmlns:a16="http://schemas.microsoft.com/office/drawing/2014/main" id="{073333A1-A01B-4436-E8E4-07EDBE7AA862}"/>
               </a:ext>
             </a:extLst>
           </p:cNvPr>
@@ -2373,7 +2373,7 @@
           <a:bodyPr/>
           <a:lstStyle/>
           <a:p>
-            <a:fld id="{DE955D42-A830-4B0D-A8EE-8B2690C4A450}" type="datetimeFigureOut">
+            <a:fld id="{3903B572-E40E-4477-88A1-172EF076D5CB}" type="datetimeFigureOut">
               <a:rPr lang="zh-CN" altLang="en-US" smtClean="0"/>
               <a:t>2024/3/10</a:t>
             </a:fld>
@@ -2386,7 +2386,7 @@
           <p:cNvPr id="6" name="页脚占位符 5">
             <a:extLst>
               <a:ext uri="{FF2B5EF4-FFF2-40B4-BE49-F238E27FC236}">
-                <a16:creationId xmlns:a16="http://schemas.microsoft.com/office/drawing/2014/main" id="{6F7E3A53-BB44-02DB-AEB1-82A79728A564}"/>
+                <a16:creationId xmlns:a16="http://schemas.microsoft.com/office/drawing/2014/main" id="{853ACF33-91FE-A218-B868-40AF989A150A}"/>
               </a:ext>
             </a:extLst>
           </p:cNvPr>
@@ -2411,7 +2411,7 @@
           <p:cNvPr id="7" name="灯片编号占位符 6">
             <a:extLst>
               <a:ext uri="{FF2B5EF4-FFF2-40B4-BE49-F238E27FC236}">
-                <a16:creationId xmlns:a16="http://schemas.microsoft.com/office/drawing/2014/main" id="{A33D8DED-F055-7BBB-1C8C-539094E655E9}"/>
+                <a16:creationId xmlns:a16="http://schemas.microsoft.com/office/drawing/2014/main" id="{D3D36763-A77A-0713-E0C5-BD009807031A}"/>
               </a:ext>
             </a:extLst>
           </p:cNvPr>
@@ -2427,7 +2427,7 @@
           <a:bodyPr/>
           <a:lstStyle/>
           <a:p>
-            <a:fld id="{58660CFA-8106-4299-AC4F-1A910EC59DE2}" type="slidenum">
+            <a:fld id="{F1CB77C0-CE1B-4D5F-B4C3-E301AADD7CCF}" type="slidenum">
               <a:rPr lang="zh-CN" altLang="en-US" smtClean="0"/>
               <a:t>‹#›</a:t>
             </a:fld>
@@ -2438,7 +2438,7 @@
     </p:spTree>
     <p:extLst>
       <p:ext uri="{BB962C8B-B14F-4D97-AF65-F5344CB8AC3E}">
-        <p14:creationId xmlns:p14="http://schemas.microsoft.com/office/powerpoint/2010/main" val="2148017384"/>
+        <p14:creationId xmlns:p14="http://schemas.microsoft.com/office/powerpoint/2010/main" val="2645561844"/>
       </p:ext>
     </p:extLst>
   </p:cSld>
@@ -2470,7 +2470,7 @@
           <p:cNvPr id="2" name="标题 1">
             <a:extLst>
               <a:ext uri="{FF2B5EF4-FFF2-40B4-BE49-F238E27FC236}">
-                <a16:creationId xmlns:a16="http://schemas.microsoft.com/office/drawing/2014/main" id="{BBA1108B-771C-C7C7-1F21-208B29A8247F}"/>
+                <a16:creationId xmlns:a16="http://schemas.microsoft.com/office/drawing/2014/main" id="{BDB0212E-995F-C515-7E94-FE5C69DB7AF5}"/>
               </a:ext>
             </a:extLst>
           </p:cNvPr>
@@ -2507,7 +2507,7 @@
           <p:cNvPr id="3" name="图片占位符 2">
             <a:extLst>
               <a:ext uri="{FF2B5EF4-FFF2-40B4-BE49-F238E27FC236}">
-                <a16:creationId xmlns:a16="http://schemas.microsoft.com/office/drawing/2014/main" id="{6DD60F3F-EA52-E2B2-6775-B3070C08C28D}"/>
+                <a16:creationId xmlns:a16="http://schemas.microsoft.com/office/drawing/2014/main" id="{9D7BD6FF-EE43-3171-8097-5FDF478D18D3}"/>
               </a:ext>
             </a:extLst>
           </p:cNvPr>
@@ -2574,7 +2574,7 @@
           <p:cNvPr id="4" name="文本占位符 3">
             <a:extLst>
               <a:ext uri="{FF2B5EF4-FFF2-40B4-BE49-F238E27FC236}">
-                <a16:creationId xmlns:a16="http://schemas.microsoft.com/office/drawing/2014/main" id="{9F2E3870-CD0D-4809-4787-0125D0067798}"/>
+                <a16:creationId xmlns:a16="http://schemas.microsoft.com/office/drawing/2014/main" id="{CC44078E-2E12-7F2D-3CB6-797668F65122}"/>
               </a:ext>
             </a:extLst>
           </p:cNvPr>
@@ -2645,7 +2645,7 @@
           <p:cNvPr id="5" name="日期占位符 4">
             <a:extLst>
               <a:ext uri="{FF2B5EF4-FFF2-40B4-BE49-F238E27FC236}">
-                <a16:creationId xmlns:a16="http://schemas.microsoft.com/office/drawing/2014/main" id="{CEE53F12-E7DB-97A3-0F48-B1F6E8A88A33}"/>
+                <a16:creationId xmlns:a16="http://schemas.microsoft.com/office/drawing/2014/main" id="{522CDA73-958F-2903-8EF6-955637705B1A}"/>
               </a:ext>
             </a:extLst>
           </p:cNvPr>
@@ -2661,7 +2661,7 @@
           <a:bodyPr/>
           <a:lstStyle/>
           <a:p>
-            <a:fld id="{DE955D42-A830-4B0D-A8EE-8B2690C4A450}" type="datetimeFigureOut">
+            <a:fld id="{3903B572-E40E-4477-88A1-172EF076D5CB}" type="datetimeFigureOut">
               <a:rPr lang="zh-CN" altLang="en-US" smtClean="0"/>
               <a:t>2024/3/10</a:t>
             </a:fld>
@@ -2674,7 +2674,7 @@
           <p:cNvPr id="6" name="页脚占位符 5">
             <a:extLst>
               <a:ext uri="{FF2B5EF4-FFF2-40B4-BE49-F238E27FC236}">
-                <a16:creationId xmlns:a16="http://schemas.microsoft.com/office/drawing/2014/main" id="{049402AF-8438-2EED-6473-7153276C5E3D}"/>
+                <a16:creationId xmlns:a16="http://schemas.microsoft.com/office/drawing/2014/main" id="{6E3B71FD-1D02-F68D-EAFF-4CF36E4C7851}"/>
               </a:ext>
             </a:extLst>
           </p:cNvPr>
@@ -2699,7 +2699,7 @@
           <p:cNvPr id="7" name="灯片编号占位符 6">
             <a:extLst>
               <a:ext uri="{FF2B5EF4-FFF2-40B4-BE49-F238E27FC236}">
-                <a16:creationId xmlns:a16="http://schemas.microsoft.com/office/drawing/2014/main" id="{FC46A6F1-3DE1-6991-6FFB-C1E59AEFAA36}"/>
+                <a16:creationId xmlns:a16="http://schemas.microsoft.com/office/drawing/2014/main" id="{7EB1FBC3-6394-75D6-82E8-58A6A9E99847}"/>
               </a:ext>
             </a:extLst>
           </p:cNvPr>
@@ -2715,7 +2715,7 @@
           <a:bodyPr/>
           <a:lstStyle/>
           <a:p>
-            <a:fld id="{58660CFA-8106-4299-AC4F-1A910EC59DE2}" type="slidenum">
+            <a:fld id="{F1CB77C0-CE1B-4D5F-B4C3-E301AADD7CCF}" type="slidenum">
               <a:rPr lang="zh-CN" altLang="en-US" smtClean="0"/>
               <a:t>‹#›</a:t>
             </a:fld>
@@ -2726,7 +2726,7 @@
     </p:spTree>
     <p:extLst>
       <p:ext uri="{BB962C8B-B14F-4D97-AF65-F5344CB8AC3E}">
-        <p14:creationId xmlns:p14="http://schemas.microsoft.com/office/powerpoint/2010/main" val="3595856399"/>
+        <p14:creationId xmlns:p14="http://schemas.microsoft.com/office/powerpoint/2010/main" val="620470031"/>
       </p:ext>
     </p:extLst>
   </p:cSld>
@@ -2763,7 +2763,7 @@
           <p:cNvPr id="2" name="标题占位符 1">
             <a:extLst>
               <a:ext uri="{FF2B5EF4-FFF2-40B4-BE49-F238E27FC236}">
-                <a16:creationId xmlns:a16="http://schemas.microsoft.com/office/drawing/2014/main" id="{9F86B254-4D29-70EF-163B-2063A690AD2B}"/>
+                <a16:creationId xmlns:a16="http://schemas.microsoft.com/office/drawing/2014/main" id="{AC4DD3E0-955F-5F01-799C-B162CF7ED9AC}"/>
               </a:ext>
             </a:extLst>
           </p:cNvPr>
@@ -2801,7 +2801,7 @@
           <p:cNvPr id="3" name="文本占位符 2">
             <a:extLst>
               <a:ext uri="{FF2B5EF4-FFF2-40B4-BE49-F238E27FC236}">
-                <a16:creationId xmlns:a16="http://schemas.microsoft.com/office/drawing/2014/main" id="{F150A1F0-6375-8769-D950-9D197CD53087}"/>
+                <a16:creationId xmlns:a16="http://schemas.microsoft.com/office/drawing/2014/main" id="{49166087-5C58-51A7-9C32-6E30F24E5B03}"/>
               </a:ext>
             </a:extLst>
           </p:cNvPr>
@@ -2868,7 +2868,7 @@
           <p:cNvPr id="4" name="日期占位符 3">
             <a:extLst>
               <a:ext uri="{FF2B5EF4-FFF2-40B4-BE49-F238E27FC236}">
-                <a16:creationId xmlns:a16="http://schemas.microsoft.com/office/drawing/2014/main" id="{D4356090-09A7-902B-7565-9BF954C90E2D}"/>
+                <a16:creationId xmlns:a16="http://schemas.microsoft.com/office/drawing/2014/main" id="{4EF5B0BC-D057-3701-18FA-2CA72F9AD03C}"/>
               </a:ext>
             </a:extLst>
           </p:cNvPr>
@@ -2902,7 +2902,7 @@
             </a:lvl1pPr>
           </a:lstStyle>
           <a:p>
-            <a:fld id="{DE955D42-A830-4B0D-A8EE-8B2690C4A450}" type="datetimeFigureOut">
+            <a:fld id="{3903B572-E40E-4477-88A1-172EF076D5CB}" type="datetimeFigureOut">
               <a:rPr lang="zh-CN" altLang="en-US" smtClean="0"/>
               <a:t>2024/3/10</a:t>
             </a:fld>
@@ -2915,7 +2915,7 @@
           <p:cNvPr id="5" name="页脚占位符 4">
             <a:extLst>
               <a:ext uri="{FF2B5EF4-FFF2-40B4-BE49-F238E27FC236}">
-                <a16:creationId xmlns:a16="http://schemas.microsoft.com/office/drawing/2014/main" id="{4BA5369F-3B49-0100-CFF4-B6BCBCA60412}"/>
+                <a16:creationId xmlns:a16="http://schemas.microsoft.com/office/drawing/2014/main" id="{82353E3C-DE63-2DE7-D13B-9D81182F0959}"/>
               </a:ext>
             </a:extLst>
           </p:cNvPr>
@@ -2958,7 +2958,7 @@
           <p:cNvPr id="6" name="灯片编号占位符 5">
             <a:extLst>
               <a:ext uri="{FF2B5EF4-FFF2-40B4-BE49-F238E27FC236}">
-                <a16:creationId xmlns:a16="http://schemas.microsoft.com/office/drawing/2014/main" id="{7DCEBD53-13EA-2167-76D5-BCC65C10232E}"/>
+                <a16:creationId xmlns:a16="http://schemas.microsoft.com/office/drawing/2014/main" id="{910EBA03-5D61-5245-CE91-5073D13BE90D}"/>
               </a:ext>
             </a:extLst>
           </p:cNvPr>
@@ -2992,7 +2992,7 @@
             </a:lvl1pPr>
           </a:lstStyle>
           <a:p>
-            <a:fld id="{58660CFA-8106-4299-AC4F-1A910EC59DE2}" type="slidenum">
+            <a:fld id="{F1CB77C0-CE1B-4D5F-B4C3-E301AADD7CCF}" type="slidenum">
               <a:rPr lang="zh-CN" altLang="en-US" smtClean="0"/>
               <a:t>‹#›</a:t>
             </a:fld>
@@ -3003,7 +3003,7 @@
     </p:spTree>
     <p:extLst>
       <p:ext uri="{BB962C8B-B14F-4D97-AF65-F5344CB8AC3E}">
-        <p14:creationId xmlns:p14="http://schemas.microsoft.com/office/powerpoint/2010/main" val="1529441573"/>
+        <p14:creationId xmlns:p14="http://schemas.microsoft.com/office/powerpoint/2010/main" val="3523265432"/>
       </p:ext>
     </p:extLst>
   </p:cSld>
@@ -3323,7 +3323,7 @@
       </p:grpSpPr>
       <p:pic>
         <p:nvPicPr>
-          <p:cNvPr id="805890" name="Picture 2" descr="786"/>
+          <p:cNvPr id="806914" name="Picture 2" descr="787"/>
           <p:cNvPicPr>
             <a:picLocks noChangeAspect="1" noChangeArrowheads="1"/>
           </p:cNvPicPr>
